--- a/Personal Bot - Apresentação - 13-03-2018_v2.pptx
+++ b/Personal Bot - Apresentação - 13-03-2018_v2.pptx
@@ -6479,7 +6479,7 @@
         <p:spPr>
           <a:xfrm>
             <a:off x="1051099" y="1583119"/>
-            <a:ext cx="10034587" cy="4801314"/>
+            <a:ext cx="10034587" cy="4247317"/>
           </a:xfrm>
           <a:prstGeom prst="rect">
             <a:avLst/>
@@ -6494,7 +6494,7 @@
             <a:pPr algn="just" fontAlgn="base"/>
             <a:r>
               <a:rPr lang="pt-BR" dirty="0"/>
-              <a:t>Iniciar Treino </a:t>
+              <a:t>Iniciar Treino</a:t>
             </a:r>
           </a:p>
           <a:p>
@@ -6503,63 +6503,87 @@
           </a:p>
           <a:p>
             <a:pPr algn="just" fontAlgn="base"/>
-            <a:endParaRPr lang="pt-BR" dirty="0"/>
+            <a:r>
+              <a:rPr lang="pt-BR" dirty="0"/>
+              <a:t>O caso de uso começa quando o usuário inicia uma conversação.</a:t>
+            </a:r>
           </a:p>
           <a:p>
             <a:pPr algn="just" fontAlgn="base"/>
-            <a:endParaRPr lang="pt-BR" dirty="0"/>
+            <a:r>
+              <a:rPr lang="pt-BR" dirty="0"/>
+              <a:t>O sistema envia a pergunta: "Qual parte do corpo deseja exercitar?“</a:t>
+            </a:r>
           </a:p>
           <a:p>
             <a:pPr algn="just" fontAlgn="base"/>
-            <a:endParaRPr lang="pt-BR" dirty="0"/>
+            <a:r>
+              <a:rPr lang="pt-BR" dirty="0"/>
+              <a:t>O usuário envia a resposta com a parte de corpo qual deseja exercitar.</a:t>
+            </a:r>
           </a:p>
           <a:p>
             <a:pPr algn="just" fontAlgn="base"/>
-            <a:endParaRPr lang="pt-BR" dirty="0"/>
+            <a:r>
+              <a:rPr lang="pt-BR" dirty="0"/>
+              <a:t>O sistema envia: "Qual a intensidade que deseja praticar? (Frango/Normal/Monstro)“</a:t>
+            </a:r>
           </a:p>
           <a:p>
             <a:pPr algn="just" fontAlgn="base"/>
-            <a:endParaRPr lang="pt-BR" dirty="0"/>
+            <a:r>
+              <a:rPr lang="pt-BR" dirty="0"/>
+              <a:t>O usuário envia a reposta com o intensidade desejada</a:t>
+            </a:r>
           </a:p>
           <a:p>
             <a:pPr algn="just" fontAlgn="base"/>
-            <a:endParaRPr lang="pt-BR" dirty="0"/>
+            <a:r>
+              <a:rPr lang="pt-BR" dirty="0"/>
+              <a:t>O sistema pergunta se deseja um exercício com o uso de aparelhos ou sem aparelhos.</a:t>
+            </a:r>
           </a:p>
           <a:p>
             <a:pPr algn="just" fontAlgn="base"/>
-            <a:endParaRPr lang="pt-BR" dirty="0"/>
+            <a:r>
+              <a:rPr lang="pt-BR" dirty="0"/>
+              <a:t>O usuário envia a resposta se é com ou sem aparelhos.</a:t>
+            </a:r>
           </a:p>
           <a:p>
             <a:pPr algn="just" fontAlgn="base"/>
-            <a:endParaRPr lang="pt-BR" dirty="0"/>
+            <a:r>
+              <a:rPr lang="pt-BR" dirty="0"/>
+              <a:t>O sistema envia para o usuário as instruções de um exercício com as características solicitadas.</a:t>
+            </a:r>
           </a:p>
           <a:p>
             <a:pPr algn="just" fontAlgn="base"/>
-            <a:endParaRPr lang="pt-BR" dirty="0"/>
+            <a:r>
+              <a:rPr lang="pt-BR" dirty="0"/>
+              <a:t>O sistema envia : "Deseja continuar o treino?“</a:t>
+            </a:r>
           </a:p>
           <a:p>
             <a:pPr algn="just" fontAlgn="base"/>
-            <a:endParaRPr lang="pt-BR" dirty="0"/>
+            <a:r>
+              <a:rPr lang="pt-BR" dirty="0"/>
+              <a:t>O usuário responde "sim ou não“</a:t>
+            </a:r>
           </a:p>
           <a:p>
             <a:pPr algn="just" fontAlgn="base"/>
-            <a:endParaRPr lang="pt-BR" dirty="0"/>
+            <a:r>
+              <a:rPr lang="pt-BR" dirty="0"/>
+              <a:t>	Se "sim" o caso de uso retorna ao 2 item</a:t>
+            </a:r>
           </a:p>
           <a:p>
             <a:pPr algn="just" fontAlgn="base"/>
-            <a:endParaRPr lang="pt-BR" dirty="0"/>
-          </a:p>
-          <a:p>
-            <a:pPr algn="just" fontAlgn="base"/>
-            <a:endParaRPr lang="pt-BR" dirty="0"/>
-          </a:p>
-          <a:p>
-            <a:pPr algn="just" fontAlgn="base"/>
-            <a:endParaRPr lang="pt-BR" dirty="0"/>
-          </a:p>
-          <a:p>
-            <a:pPr algn="just" fontAlgn="base"/>
-            <a:endParaRPr lang="pt-BR" dirty="0"/>
+            <a:r>
+              <a:rPr lang="pt-BR" dirty="0"/>
+              <a:t>	Se "não" o caso de uso se encerra </a:t>
+            </a:r>
           </a:p>
         </p:txBody>
       </p:sp>
@@ -6808,6 +6832,60 @@
             <a:r>
               <a:rPr lang="pt-BR" dirty="0"/>
               <a:t>SUGESTÕES/DÚVIDAS</a:t>
+            </a:r>
+          </a:p>
+        </p:txBody>
+      </p:sp>
+      <p:sp>
+        <p:nvSpPr>
+          <p:cNvPr id="3" name="Retângulo 2">
+            <a:extLst>
+              <a:ext uri="{FF2B5EF4-FFF2-40B4-BE49-F238E27FC236}">
+                <a16:creationId xmlns:a16="http://schemas.microsoft.com/office/drawing/2014/main" id="{4B8DC740-EF1E-4D69-8D11-79E49CB60695}"/>
+              </a:ext>
+            </a:extLst>
+          </p:cNvPr>
+          <p:cNvSpPr/>
+          <p:nvPr/>
+        </p:nvSpPr>
+        <p:spPr>
+          <a:xfrm>
+            <a:off x="5026472" y="1681874"/>
+            <a:ext cx="1980030" cy="3939540"/>
+          </a:xfrm>
+          <a:prstGeom prst="rect">
+            <a:avLst/>
+          </a:prstGeom>
+          <a:noFill/>
+        </p:spPr>
+        <p:txBody>
+          <a:bodyPr wrap="none" lIns="91440" tIns="45720" rIns="91440" bIns="45720">
+            <a:spAutoFit/>
+          </a:bodyPr>
+          <a:lstStyle/>
+          <a:p>
+            <a:pPr algn="ctr"/>
+            <a:r>
+              <a:rPr lang="pt-BR" sz="25000" b="1" cap="none" spc="0" dirty="0">
+                <a:ln w="9525">
+                  <a:solidFill>
+                    <a:schemeClr val="bg1"/>
+                  </a:solidFill>
+                  <a:prstDash val="solid"/>
+                </a:ln>
+                <a:solidFill>
+                  <a:schemeClr val="accent5"/>
+                </a:solidFill>
+                <a:effectLst>
+                  <a:outerShdw blurRad="12700" dist="38100" dir="2700000" algn="tl" rotWithShape="0">
+                    <a:schemeClr val="accent5">
+                      <a:lumMod val="60000"/>
+                      <a:lumOff val="40000"/>
+                    </a:schemeClr>
+                  </a:outerShdw>
+                </a:effectLst>
+              </a:rPr>
+              <a:t>?</a:t>
             </a:r>
           </a:p>
         </p:txBody>

--- a/Personal Bot - Apresentação - 13-03-2018_v2.pptx
+++ b/Personal Bot - Apresentação - 13-03-2018_v2.pptx
@@ -112,7 +112,7 @@
   </p:defaultTextStyle>
   <p:extLst>
     <p:ext uri="{EFAFB233-063F-42B5-8137-9DF3F51BA10A}">
-      <p15:sldGuideLst xmlns:p15="http://schemas.microsoft.com/office/powerpoint/2012/main">
+      <p15:sldGuideLst xmlns:p15="http://schemas.microsoft.com/office/powerpoint/2012/main" xmlns="">
         <p15:guide id="1" orient="horz" pos="2160">
           <p15:clr>
             <a:srgbClr val="A4A3A4"/>
@@ -343,9 +343,9 @@
             <a:fld id="{70249A31-1664-4F51-87D9-D192DA5F4C52}" type="datetimeFigureOut">
               <a:rPr lang="pt-BR" smtClean="0"/>
               <a:pPr/>
-              <a:t>11/03/2018</a:t>
+              <a:t>13/03/2018</a:t>
             </a:fld>
-            <a:endParaRPr lang="pt-BR"/>
+            <a:endParaRPr lang="pt-BR" dirty="0"/>
           </a:p>
         </p:txBody>
       </p:sp>
@@ -364,7 +364,7 @@
           <a:bodyPr/>
           <a:lstStyle/>
           <a:p>
-            <a:endParaRPr lang="pt-BR"/>
+            <a:endParaRPr lang="pt-BR" dirty="0"/>
           </a:p>
         </p:txBody>
       </p:sp>
@@ -388,14 +388,14 @@
               <a:pPr/>
               <a:t>‹nº›</a:t>
             </a:fld>
-            <a:endParaRPr lang="pt-BR"/>
+            <a:endParaRPr lang="pt-BR" dirty="0"/>
           </a:p>
         </p:txBody>
       </p:sp>
     </p:spTree>
     <p:extLst>
       <p:ext uri="{BB962C8B-B14F-4D97-AF65-F5344CB8AC3E}">
-        <p14:creationId xmlns:p14="http://schemas.microsoft.com/office/powerpoint/2010/main" val="3545002959"/>
+        <p14:creationId xmlns:p14="http://schemas.microsoft.com/office/powerpoint/2010/main" xmlns="" val="3545002959"/>
       </p:ext>
     </p:extLst>
   </p:cSld>
@@ -544,7 +544,7 @@
           </a:lstStyle>
           <a:p>
             <a:r>
-              <a:rPr lang="pt-BR"/>
+              <a:rPr lang="pt-BR" dirty="0"/>
               <a:t>Clique no ícone para adicionar uma imagem</a:t>
             </a:r>
             <a:endParaRPr lang="en-US" dirty="0"/>
@@ -636,9 +636,9 @@
             <a:fld id="{70249A31-1664-4F51-87D9-D192DA5F4C52}" type="datetimeFigureOut">
               <a:rPr lang="pt-BR" smtClean="0"/>
               <a:pPr/>
-              <a:t>11/03/2018</a:t>
+              <a:t>13/03/2018</a:t>
             </a:fld>
-            <a:endParaRPr lang="pt-BR"/>
+            <a:endParaRPr lang="pt-BR" dirty="0"/>
           </a:p>
         </p:txBody>
       </p:sp>
@@ -657,7 +657,7 @@
           <a:bodyPr/>
           <a:lstStyle/>
           <a:p>
-            <a:endParaRPr lang="pt-BR"/>
+            <a:endParaRPr lang="pt-BR" dirty="0"/>
           </a:p>
         </p:txBody>
       </p:sp>
@@ -681,14 +681,14 @@
               <a:pPr/>
               <a:t>‹nº›</a:t>
             </a:fld>
-            <a:endParaRPr lang="pt-BR"/>
+            <a:endParaRPr lang="pt-BR" dirty="0"/>
           </a:p>
         </p:txBody>
       </p:sp>
     </p:spTree>
     <p:extLst>
       <p:ext uri="{BB962C8B-B14F-4D97-AF65-F5344CB8AC3E}">
-        <p14:creationId xmlns:p14="http://schemas.microsoft.com/office/powerpoint/2010/main" val="2725010978"/>
+        <p14:creationId xmlns:p14="http://schemas.microsoft.com/office/powerpoint/2010/main" xmlns="" val="2725010978"/>
       </p:ext>
     </p:extLst>
   </p:cSld>
@@ -897,9 +897,9 @@
             <a:fld id="{70249A31-1664-4F51-87D9-D192DA5F4C52}" type="datetimeFigureOut">
               <a:rPr lang="pt-BR" smtClean="0"/>
               <a:pPr/>
-              <a:t>11/03/2018</a:t>
+              <a:t>13/03/2018</a:t>
             </a:fld>
-            <a:endParaRPr lang="pt-BR"/>
+            <a:endParaRPr lang="pt-BR" dirty="0"/>
           </a:p>
         </p:txBody>
       </p:sp>
@@ -918,7 +918,7 @@
           <a:bodyPr/>
           <a:lstStyle/>
           <a:p>
-            <a:endParaRPr lang="pt-BR"/>
+            <a:endParaRPr lang="pt-BR" dirty="0"/>
           </a:p>
         </p:txBody>
       </p:sp>
@@ -942,14 +942,14 @@
               <a:pPr/>
               <a:t>‹nº›</a:t>
             </a:fld>
-            <a:endParaRPr lang="pt-BR"/>
+            <a:endParaRPr lang="pt-BR" dirty="0"/>
           </a:p>
         </p:txBody>
       </p:sp>
     </p:spTree>
     <p:extLst>
       <p:ext uri="{BB962C8B-B14F-4D97-AF65-F5344CB8AC3E}">
-        <p14:creationId xmlns:p14="http://schemas.microsoft.com/office/powerpoint/2010/main" val="3677130844"/>
+        <p14:creationId xmlns:p14="http://schemas.microsoft.com/office/powerpoint/2010/main" xmlns="" val="3677130844"/>
       </p:ext>
     </p:extLst>
   </p:cSld>
@@ -1368,9 +1368,9 @@
             <a:fld id="{70249A31-1664-4F51-87D9-D192DA5F4C52}" type="datetimeFigureOut">
               <a:rPr lang="pt-BR" smtClean="0"/>
               <a:pPr/>
-              <a:t>11/03/2018</a:t>
+              <a:t>13/03/2018</a:t>
             </a:fld>
-            <a:endParaRPr lang="pt-BR"/>
+            <a:endParaRPr lang="pt-BR" dirty="0"/>
           </a:p>
         </p:txBody>
       </p:sp>
@@ -1389,7 +1389,7 @@
           <a:bodyPr/>
           <a:lstStyle/>
           <a:p>
-            <a:endParaRPr lang="pt-BR"/>
+            <a:endParaRPr lang="pt-BR" dirty="0"/>
           </a:p>
         </p:txBody>
       </p:sp>
@@ -1413,14 +1413,14 @@
               <a:pPr/>
               <a:t>‹nº›</a:t>
             </a:fld>
-            <a:endParaRPr lang="pt-BR"/>
+            <a:endParaRPr lang="pt-BR" dirty="0"/>
           </a:p>
         </p:txBody>
       </p:sp>
     </p:spTree>
     <p:extLst>
       <p:ext uri="{BB962C8B-B14F-4D97-AF65-F5344CB8AC3E}">
-        <p14:creationId xmlns:p14="http://schemas.microsoft.com/office/powerpoint/2010/main" val="1347176054"/>
+        <p14:creationId xmlns:p14="http://schemas.microsoft.com/office/powerpoint/2010/main" xmlns="" val="1347176054"/>
       </p:ext>
     </p:extLst>
   </p:cSld>
@@ -1550,9 +1550,9 @@
             <a:fld id="{70249A31-1664-4F51-87D9-D192DA5F4C52}" type="datetimeFigureOut">
               <a:rPr lang="pt-BR" smtClean="0"/>
               <a:pPr/>
-              <a:t>11/03/2018</a:t>
+              <a:t>13/03/2018</a:t>
             </a:fld>
-            <a:endParaRPr lang="pt-BR"/>
+            <a:endParaRPr lang="pt-BR" dirty="0"/>
           </a:p>
         </p:txBody>
       </p:sp>
@@ -1571,7 +1571,7 @@
           <a:bodyPr/>
           <a:lstStyle/>
           <a:p>
-            <a:endParaRPr lang="pt-BR"/>
+            <a:endParaRPr lang="pt-BR" dirty="0"/>
           </a:p>
         </p:txBody>
       </p:sp>
@@ -1595,14 +1595,14 @@
               <a:pPr/>
               <a:t>‹nº›</a:t>
             </a:fld>
-            <a:endParaRPr lang="pt-BR"/>
+            <a:endParaRPr lang="pt-BR" dirty="0"/>
           </a:p>
         </p:txBody>
       </p:sp>
     </p:spTree>
     <p:extLst>
       <p:ext uri="{BB962C8B-B14F-4D97-AF65-F5344CB8AC3E}">
-        <p14:creationId xmlns:p14="http://schemas.microsoft.com/office/powerpoint/2010/main" val="3777910601"/>
+        <p14:creationId xmlns:p14="http://schemas.microsoft.com/office/powerpoint/2010/main" xmlns="" val="3777910601"/>
       </p:ext>
     </p:extLst>
   </p:cSld>
@@ -2128,9 +2128,9 @@
             <a:fld id="{70249A31-1664-4F51-87D9-D192DA5F4C52}" type="datetimeFigureOut">
               <a:rPr lang="pt-BR" smtClean="0"/>
               <a:pPr/>
-              <a:t>11/03/2018</a:t>
+              <a:t>13/03/2018</a:t>
             </a:fld>
-            <a:endParaRPr lang="pt-BR"/>
+            <a:endParaRPr lang="pt-BR" dirty="0"/>
           </a:p>
         </p:txBody>
       </p:sp>
@@ -2149,7 +2149,7 @@
           <a:bodyPr/>
           <a:lstStyle/>
           <a:p>
-            <a:endParaRPr lang="pt-BR"/>
+            <a:endParaRPr lang="pt-BR" dirty="0"/>
           </a:p>
         </p:txBody>
       </p:sp>
@@ -2173,14 +2173,14 @@
               <a:pPr/>
               <a:t>‹nº›</a:t>
             </a:fld>
-            <a:endParaRPr lang="pt-BR"/>
+            <a:endParaRPr lang="pt-BR" dirty="0"/>
           </a:p>
         </p:txBody>
       </p:sp>
     </p:spTree>
     <p:extLst>
       <p:ext uri="{BB962C8B-B14F-4D97-AF65-F5344CB8AC3E}">
-        <p14:creationId xmlns:p14="http://schemas.microsoft.com/office/powerpoint/2010/main" val="696762511"/>
+        <p14:creationId xmlns:p14="http://schemas.microsoft.com/office/powerpoint/2010/main" xmlns="" val="696762511"/>
       </p:ext>
     </p:extLst>
   </p:cSld>
@@ -2462,9 +2462,9 @@
             <a:fld id="{70249A31-1664-4F51-87D9-D192DA5F4C52}" type="datetimeFigureOut">
               <a:rPr lang="pt-BR" smtClean="0"/>
               <a:pPr/>
-              <a:t>11/03/2018</a:t>
+              <a:t>13/03/2018</a:t>
             </a:fld>
-            <a:endParaRPr lang="pt-BR"/>
+            <a:endParaRPr lang="pt-BR" dirty="0"/>
           </a:p>
         </p:txBody>
       </p:sp>
@@ -2483,7 +2483,7 @@
           <a:bodyPr/>
           <a:lstStyle/>
           <a:p>
-            <a:endParaRPr lang="pt-BR"/>
+            <a:endParaRPr lang="pt-BR" dirty="0"/>
           </a:p>
         </p:txBody>
       </p:sp>
@@ -2507,14 +2507,14 @@
               <a:pPr/>
               <a:t>‹nº›</a:t>
             </a:fld>
-            <a:endParaRPr lang="pt-BR"/>
+            <a:endParaRPr lang="pt-BR" dirty="0"/>
           </a:p>
         </p:txBody>
       </p:sp>
     </p:spTree>
     <p:extLst>
       <p:ext uri="{BB962C8B-B14F-4D97-AF65-F5344CB8AC3E}">
-        <p14:creationId xmlns:p14="http://schemas.microsoft.com/office/powerpoint/2010/main" val="1975751618"/>
+        <p14:creationId xmlns:p14="http://schemas.microsoft.com/office/powerpoint/2010/main" xmlns="" val="1975751618"/>
       </p:ext>
     </p:extLst>
   </p:cSld>
@@ -2639,9 +2639,9 @@
             <a:fld id="{70249A31-1664-4F51-87D9-D192DA5F4C52}" type="datetimeFigureOut">
               <a:rPr lang="pt-BR" smtClean="0"/>
               <a:pPr/>
-              <a:t>11/03/2018</a:t>
+              <a:t>13/03/2018</a:t>
             </a:fld>
-            <a:endParaRPr lang="pt-BR"/>
+            <a:endParaRPr lang="pt-BR" dirty="0"/>
           </a:p>
         </p:txBody>
       </p:sp>
@@ -2660,7 +2660,7 @@
           <a:bodyPr/>
           <a:lstStyle/>
           <a:p>
-            <a:endParaRPr lang="pt-BR"/>
+            <a:endParaRPr lang="pt-BR" dirty="0"/>
           </a:p>
         </p:txBody>
       </p:sp>
@@ -2684,14 +2684,14 @@
               <a:pPr/>
               <a:t>‹nº›</a:t>
             </a:fld>
-            <a:endParaRPr lang="pt-BR"/>
+            <a:endParaRPr lang="pt-BR" dirty="0"/>
           </a:p>
         </p:txBody>
       </p:sp>
     </p:spTree>
     <p:extLst>
       <p:ext uri="{BB962C8B-B14F-4D97-AF65-F5344CB8AC3E}">
-        <p14:creationId xmlns:p14="http://schemas.microsoft.com/office/powerpoint/2010/main" val="941946356"/>
+        <p14:creationId xmlns:p14="http://schemas.microsoft.com/office/powerpoint/2010/main" xmlns="" val="941946356"/>
       </p:ext>
     </p:extLst>
   </p:cSld>
@@ -2821,9 +2821,9 @@
             <a:fld id="{70249A31-1664-4F51-87D9-D192DA5F4C52}" type="datetimeFigureOut">
               <a:rPr lang="pt-BR" smtClean="0"/>
               <a:pPr/>
-              <a:t>11/03/2018</a:t>
+              <a:t>13/03/2018</a:t>
             </a:fld>
-            <a:endParaRPr lang="pt-BR"/>
+            <a:endParaRPr lang="pt-BR" dirty="0"/>
           </a:p>
         </p:txBody>
       </p:sp>
@@ -2842,7 +2842,7 @@
           <a:bodyPr/>
           <a:lstStyle/>
           <a:p>
-            <a:endParaRPr lang="pt-BR"/>
+            <a:endParaRPr lang="pt-BR" dirty="0"/>
           </a:p>
         </p:txBody>
       </p:sp>
@@ -2866,14 +2866,14 @@
               <a:pPr/>
               <a:t>‹nº›</a:t>
             </a:fld>
-            <a:endParaRPr lang="pt-BR"/>
+            <a:endParaRPr lang="pt-BR" dirty="0"/>
           </a:p>
         </p:txBody>
       </p:sp>
     </p:spTree>
     <p:extLst>
       <p:ext uri="{BB962C8B-B14F-4D97-AF65-F5344CB8AC3E}">
-        <p14:creationId xmlns:p14="http://schemas.microsoft.com/office/powerpoint/2010/main" val="1793916215"/>
+        <p14:creationId xmlns:p14="http://schemas.microsoft.com/office/powerpoint/2010/main" xmlns="" val="1793916215"/>
       </p:ext>
     </p:extLst>
   </p:cSld>
@@ -2993,9 +2993,9 @@
             <a:fld id="{70249A31-1664-4F51-87D9-D192DA5F4C52}" type="datetimeFigureOut">
               <a:rPr lang="pt-BR" smtClean="0"/>
               <a:pPr/>
-              <a:t>11/03/2018</a:t>
+              <a:t>13/03/2018</a:t>
             </a:fld>
-            <a:endParaRPr lang="pt-BR"/>
+            <a:endParaRPr lang="pt-BR" dirty="0"/>
           </a:p>
         </p:txBody>
       </p:sp>
@@ -3014,7 +3014,7 @@
           <a:bodyPr/>
           <a:lstStyle/>
           <a:p>
-            <a:endParaRPr lang="pt-BR"/>
+            <a:endParaRPr lang="pt-BR" dirty="0"/>
           </a:p>
         </p:txBody>
       </p:sp>
@@ -3038,14 +3038,14 @@
               <a:pPr/>
               <a:t>‹nº›</a:t>
             </a:fld>
-            <a:endParaRPr lang="pt-BR"/>
+            <a:endParaRPr lang="pt-BR" dirty="0"/>
           </a:p>
         </p:txBody>
       </p:sp>
     </p:spTree>
     <p:extLst>
       <p:ext uri="{BB962C8B-B14F-4D97-AF65-F5344CB8AC3E}">
-        <p14:creationId xmlns:p14="http://schemas.microsoft.com/office/powerpoint/2010/main" val="3373395126"/>
+        <p14:creationId xmlns:p14="http://schemas.microsoft.com/office/powerpoint/2010/main" xmlns="" val="3373395126"/>
       </p:ext>
     </p:extLst>
   </p:cSld>
@@ -3252,9 +3252,9 @@
             <a:fld id="{70249A31-1664-4F51-87D9-D192DA5F4C52}" type="datetimeFigureOut">
               <a:rPr lang="pt-BR" smtClean="0"/>
               <a:pPr/>
-              <a:t>11/03/2018</a:t>
+              <a:t>13/03/2018</a:t>
             </a:fld>
-            <a:endParaRPr lang="pt-BR"/>
+            <a:endParaRPr lang="pt-BR" dirty="0"/>
           </a:p>
         </p:txBody>
       </p:sp>
@@ -3273,7 +3273,7 @@
           <a:bodyPr/>
           <a:lstStyle/>
           <a:p>
-            <a:endParaRPr lang="pt-BR"/>
+            <a:endParaRPr lang="pt-BR" dirty="0"/>
           </a:p>
         </p:txBody>
       </p:sp>
@@ -3297,14 +3297,14 @@
               <a:pPr/>
               <a:t>‹nº›</a:t>
             </a:fld>
-            <a:endParaRPr lang="pt-BR"/>
+            <a:endParaRPr lang="pt-BR" dirty="0"/>
           </a:p>
         </p:txBody>
       </p:sp>
     </p:spTree>
     <p:extLst>
       <p:ext uri="{BB962C8B-B14F-4D97-AF65-F5344CB8AC3E}">
-        <p14:creationId xmlns:p14="http://schemas.microsoft.com/office/powerpoint/2010/main" val="225810767"/>
+        <p14:creationId xmlns:p14="http://schemas.microsoft.com/office/powerpoint/2010/main" xmlns="" val="225810767"/>
       </p:ext>
     </p:extLst>
   </p:cSld>
@@ -3546,9 +3546,9 @@
             <a:fld id="{70249A31-1664-4F51-87D9-D192DA5F4C52}" type="datetimeFigureOut">
               <a:rPr lang="pt-BR" smtClean="0"/>
               <a:pPr/>
-              <a:t>11/03/2018</a:t>
+              <a:t>13/03/2018</a:t>
             </a:fld>
-            <a:endParaRPr lang="pt-BR"/>
+            <a:endParaRPr lang="pt-BR" dirty="0"/>
           </a:p>
         </p:txBody>
       </p:sp>
@@ -3567,7 +3567,7 @@
           <a:bodyPr/>
           <a:lstStyle/>
           <a:p>
-            <a:endParaRPr lang="pt-BR"/>
+            <a:endParaRPr lang="pt-BR" dirty="0"/>
           </a:p>
         </p:txBody>
       </p:sp>
@@ -3591,14 +3591,14 @@
               <a:pPr/>
               <a:t>‹nº›</a:t>
             </a:fld>
-            <a:endParaRPr lang="pt-BR"/>
+            <a:endParaRPr lang="pt-BR" dirty="0"/>
           </a:p>
         </p:txBody>
       </p:sp>
     </p:spTree>
     <p:extLst>
       <p:ext uri="{BB962C8B-B14F-4D97-AF65-F5344CB8AC3E}">
-        <p14:creationId xmlns:p14="http://schemas.microsoft.com/office/powerpoint/2010/main" val="1228007799"/>
+        <p14:creationId xmlns:p14="http://schemas.microsoft.com/office/powerpoint/2010/main" xmlns="" val="1228007799"/>
       </p:ext>
     </p:extLst>
   </p:cSld>
@@ -3978,9 +3978,9 @@
             <a:fld id="{70249A31-1664-4F51-87D9-D192DA5F4C52}" type="datetimeFigureOut">
               <a:rPr lang="pt-BR" smtClean="0"/>
               <a:pPr/>
-              <a:t>11/03/2018</a:t>
+              <a:t>13/03/2018</a:t>
             </a:fld>
-            <a:endParaRPr lang="pt-BR"/>
+            <a:endParaRPr lang="pt-BR" dirty="0"/>
           </a:p>
         </p:txBody>
       </p:sp>
@@ -3999,7 +3999,7 @@
           <a:bodyPr/>
           <a:lstStyle/>
           <a:p>
-            <a:endParaRPr lang="pt-BR"/>
+            <a:endParaRPr lang="pt-BR" dirty="0"/>
           </a:p>
         </p:txBody>
       </p:sp>
@@ -4023,14 +4023,14 @@
               <a:pPr/>
               <a:t>‹nº›</a:t>
             </a:fld>
-            <a:endParaRPr lang="pt-BR"/>
+            <a:endParaRPr lang="pt-BR" dirty="0"/>
           </a:p>
         </p:txBody>
       </p:sp>
     </p:spTree>
     <p:extLst>
       <p:ext uri="{BB962C8B-B14F-4D97-AF65-F5344CB8AC3E}">
-        <p14:creationId xmlns:p14="http://schemas.microsoft.com/office/powerpoint/2010/main" val="1908611007"/>
+        <p14:creationId xmlns:p14="http://schemas.microsoft.com/office/powerpoint/2010/main" xmlns="" val="1908611007"/>
       </p:ext>
     </p:extLst>
   </p:cSld>
@@ -4098,9 +4098,9 @@
             <a:fld id="{70249A31-1664-4F51-87D9-D192DA5F4C52}" type="datetimeFigureOut">
               <a:rPr lang="pt-BR" smtClean="0"/>
               <a:pPr/>
-              <a:t>11/03/2018</a:t>
+              <a:t>13/03/2018</a:t>
             </a:fld>
-            <a:endParaRPr lang="pt-BR"/>
+            <a:endParaRPr lang="pt-BR" dirty="0"/>
           </a:p>
         </p:txBody>
       </p:sp>
@@ -4119,7 +4119,7 @@
           <a:bodyPr/>
           <a:lstStyle/>
           <a:p>
-            <a:endParaRPr lang="pt-BR"/>
+            <a:endParaRPr lang="pt-BR" dirty="0"/>
           </a:p>
         </p:txBody>
       </p:sp>
@@ -4143,14 +4143,14 @@
               <a:pPr/>
               <a:t>‹nº›</a:t>
             </a:fld>
-            <a:endParaRPr lang="pt-BR"/>
+            <a:endParaRPr lang="pt-BR" dirty="0"/>
           </a:p>
         </p:txBody>
       </p:sp>
     </p:spTree>
     <p:extLst>
       <p:ext uri="{BB962C8B-B14F-4D97-AF65-F5344CB8AC3E}">
-        <p14:creationId xmlns:p14="http://schemas.microsoft.com/office/powerpoint/2010/main" val="1711554166"/>
+        <p14:creationId xmlns:p14="http://schemas.microsoft.com/office/powerpoint/2010/main" xmlns="" val="1711554166"/>
       </p:ext>
     </p:extLst>
   </p:cSld>
@@ -4195,9 +4195,9 @@
             <a:fld id="{70249A31-1664-4F51-87D9-D192DA5F4C52}" type="datetimeFigureOut">
               <a:rPr lang="pt-BR" smtClean="0"/>
               <a:pPr/>
-              <a:t>11/03/2018</a:t>
+              <a:t>13/03/2018</a:t>
             </a:fld>
-            <a:endParaRPr lang="pt-BR"/>
+            <a:endParaRPr lang="pt-BR" dirty="0"/>
           </a:p>
         </p:txBody>
       </p:sp>
@@ -4216,7 +4216,7 @@
           <a:bodyPr/>
           <a:lstStyle/>
           <a:p>
-            <a:endParaRPr lang="pt-BR"/>
+            <a:endParaRPr lang="pt-BR" dirty="0"/>
           </a:p>
         </p:txBody>
       </p:sp>
@@ -4240,14 +4240,14 @@
               <a:pPr/>
               <a:t>‹nº›</a:t>
             </a:fld>
-            <a:endParaRPr lang="pt-BR"/>
+            <a:endParaRPr lang="pt-BR" dirty="0"/>
           </a:p>
         </p:txBody>
       </p:sp>
     </p:spTree>
     <p:extLst>
       <p:ext uri="{BB962C8B-B14F-4D97-AF65-F5344CB8AC3E}">
-        <p14:creationId xmlns:p14="http://schemas.microsoft.com/office/powerpoint/2010/main" val="953356983"/>
+        <p14:creationId xmlns:p14="http://schemas.microsoft.com/office/powerpoint/2010/main" xmlns="" val="953356983"/>
       </p:ext>
     </p:extLst>
   </p:cSld>
@@ -4480,9 +4480,9 @@
             <a:fld id="{70249A31-1664-4F51-87D9-D192DA5F4C52}" type="datetimeFigureOut">
               <a:rPr lang="pt-BR" smtClean="0"/>
               <a:pPr/>
-              <a:t>11/03/2018</a:t>
+              <a:t>13/03/2018</a:t>
             </a:fld>
-            <a:endParaRPr lang="pt-BR"/>
+            <a:endParaRPr lang="pt-BR" dirty="0"/>
           </a:p>
         </p:txBody>
       </p:sp>
@@ -4501,7 +4501,7 @@
           <a:bodyPr/>
           <a:lstStyle/>
           <a:p>
-            <a:endParaRPr lang="pt-BR"/>
+            <a:endParaRPr lang="pt-BR" dirty="0"/>
           </a:p>
         </p:txBody>
       </p:sp>
@@ -4525,14 +4525,14 @@
               <a:pPr/>
               <a:t>‹nº›</a:t>
             </a:fld>
-            <a:endParaRPr lang="pt-BR"/>
+            <a:endParaRPr lang="pt-BR" dirty="0"/>
           </a:p>
         </p:txBody>
       </p:sp>
     </p:spTree>
     <p:extLst>
       <p:ext uri="{BB962C8B-B14F-4D97-AF65-F5344CB8AC3E}">
-        <p14:creationId xmlns:p14="http://schemas.microsoft.com/office/powerpoint/2010/main" val="1823951153"/>
+        <p14:creationId xmlns:p14="http://schemas.microsoft.com/office/powerpoint/2010/main" xmlns="" val="1823951153"/>
       </p:ext>
     </p:extLst>
   </p:cSld>
@@ -4676,7 +4676,7 @@
           </a:lstStyle>
           <a:p>
             <a:r>
-              <a:rPr lang="pt-BR"/>
+              <a:rPr lang="pt-BR" dirty="0"/>
               <a:t>Clique no ícone para adicionar uma imagem</a:t>
             </a:r>
             <a:endParaRPr lang="en-US" dirty="0"/>
@@ -4773,9 +4773,9 @@
             <a:fld id="{70249A31-1664-4F51-87D9-D192DA5F4C52}" type="datetimeFigureOut">
               <a:rPr lang="pt-BR" smtClean="0"/>
               <a:pPr/>
-              <a:t>11/03/2018</a:t>
+              <a:t>13/03/2018</a:t>
             </a:fld>
-            <a:endParaRPr lang="pt-BR"/>
+            <a:endParaRPr lang="pt-BR" dirty="0"/>
           </a:p>
         </p:txBody>
       </p:sp>
@@ -4799,7 +4799,7 @@
           <a:bodyPr/>
           <a:lstStyle/>
           <a:p>
-            <a:endParaRPr lang="pt-BR"/>
+            <a:endParaRPr lang="pt-BR" dirty="0"/>
           </a:p>
         </p:txBody>
       </p:sp>
@@ -4828,14 +4828,14 @@
               <a:pPr/>
               <a:t>‹nº›</a:t>
             </a:fld>
-            <a:endParaRPr lang="pt-BR"/>
+            <a:endParaRPr lang="pt-BR" dirty="0"/>
           </a:p>
         </p:txBody>
       </p:sp>
     </p:spTree>
     <p:extLst>
       <p:ext uri="{BB962C8B-B14F-4D97-AF65-F5344CB8AC3E}">
-        <p14:creationId xmlns:p14="http://schemas.microsoft.com/office/powerpoint/2010/main" val="2086558942"/>
+        <p14:creationId xmlns:p14="http://schemas.microsoft.com/office/powerpoint/2010/main" xmlns="" val="2086558942"/>
       </p:ext>
     </p:extLst>
   </p:cSld>
@@ -5006,9 +5006,9 @@
             <a:fld id="{70249A31-1664-4F51-87D9-D192DA5F4C52}" type="datetimeFigureOut">
               <a:rPr lang="pt-BR" smtClean="0"/>
               <a:pPr/>
-              <a:t>11/03/2018</a:t>
+              <a:t>13/03/2018</a:t>
             </a:fld>
-            <a:endParaRPr lang="pt-BR"/>
+            <a:endParaRPr lang="pt-BR" dirty="0"/>
           </a:p>
         </p:txBody>
       </p:sp>
@@ -5053,7 +5053,7 @@
             </a:lvl1pPr>
           </a:lstStyle>
           <a:p>
-            <a:endParaRPr lang="pt-BR"/>
+            <a:endParaRPr lang="pt-BR" dirty="0"/>
           </a:p>
         </p:txBody>
       </p:sp>
@@ -5103,14 +5103,14 @@
               <a:pPr/>
               <a:t>‹nº›</a:t>
             </a:fld>
-            <a:endParaRPr lang="pt-BR"/>
+            <a:endParaRPr lang="pt-BR" dirty="0"/>
           </a:p>
         </p:txBody>
       </p:sp>
     </p:spTree>
     <p:extLst>
       <p:ext uri="{BB962C8B-B14F-4D97-AF65-F5344CB8AC3E}">
-        <p14:creationId xmlns:p14="http://schemas.microsoft.com/office/powerpoint/2010/main" val="701326059"/>
+        <p14:creationId xmlns:p14="http://schemas.microsoft.com/office/powerpoint/2010/main" xmlns="" val="701326059"/>
       </p:ext>
     </p:extLst>
   </p:cSld>
@@ -5797,7 +5797,7 @@
           <a:lstStyle/>
           <a:p>
             <a:r>
-              <a:rPr lang="pt-BR" dirty="0" err="1"/>
+              <a:rPr lang="pt-BR" dirty="0"/>
               <a:t>Personal</a:t>
             </a:r>
             <a:r>
@@ -5805,8 +5805,12 @@
               <a:t> </a:t>
             </a:r>
             <a:r>
-              <a:rPr lang="pt-BR" dirty="0" err="1"/>
+              <a:rPr lang="pt-BR" dirty="0"/>
               <a:t>bot</a:t>
+            </a:r>
+            <a:r>
+              <a:rPr lang="pt-BR" dirty="0"/>
+              <a:t/>
             </a:r>
             <a:br>
               <a:rPr lang="pt-BR" dirty="0"/>
@@ -5843,8 +5847,13 @@
           <a:p>
             <a:r>
               <a:rPr lang="pt-BR" dirty="0"/>
-              <a:t>Leonardo Gomes de Feitas</a:t>
-            </a:r>
+              <a:t>Leonardo Gomes de </a:t>
+            </a:r>
+            <a:r>
+              <a:rPr lang="pt-BR" dirty="0" smtClean="0"/>
+              <a:t>Freitas</a:t>
+            </a:r>
+            <a:endParaRPr lang="pt-BR" dirty="0"/>
           </a:p>
           <a:p>
             <a:r>
@@ -5857,7 +5866,7 @@
     </p:spTree>
     <p:extLst>
       <p:ext uri="{BB962C8B-B14F-4D97-AF65-F5344CB8AC3E}">
-        <p14:creationId xmlns:p14="http://schemas.microsoft.com/office/powerpoint/2010/main" val="3346360541"/>
+        <p14:creationId xmlns:p14="http://schemas.microsoft.com/office/powerpoint/2010/main" xmlns="" val="3346360541"/>
       </p:ext>
     </p:extLst>
   </p:cSld>
@@ -5938,7 +5947,7 @@
               <a:t>O exercício físico tem se popularizado como nunca no Brasil e a prova disso é o aumento do mercado fitness. O Brasil ocupa o segundo lugar no ranking dos países que mais investem em academias e é o maior no setor na América Latina. De acordo com a pesquisa Global </a:t>
             </a:r>
             <a:r>
-              <a:rPr lang="pt-BR" dirty="0" err="1"/>
+              <a:rPr lang="pt-BR" dirty="0"/>
               <a:t>Report</a:t>
             </a:r>
             <a:r>
@@ -5946,7 +5955,7 @@
               <a:t> realizada pelo IHRSA (</a:t>
             </a:r>
             <a:r>
-              <a:rPr lang="pt-BR" dirty="0" err="1"/>
+              <a:rPr lang="pt-BR" dirty="0"/>
               <a:t>International</a:t>
             </a:r>
             <a:r>
@@ -5954,7 +5963,7 @@
               <a:t> Health, </a:t>
             </a:r>
             <a:r>
-              <a:rPr lang="pt-BR" dirty="0" err="1"/>
+              <a:rPr lang="pt-BR" dirty="0"/>
               <a:t>Racquet</a:t>
             </a:r>
             <a:r>
@@ -5962,7 +5971,7 @@
               <a:t> &amp; </a:t>
             </a:r>
             <a:r>
-              <a:rPr lang="pt-BR" dirty="0" err="1"/>
+              <a:rPr lang="pt-BR" dirty="0"/>
               <a:t>Sportsclub</a:t>
             </a:r>
             <a:r>
@@ -5970,7 +5979,7 @@
               <a:t> </a:t>
             </a:r>
             <a:r>
-              <a:rPr lang="pt-BR" dirty="0" err="1"/>
+              <a:rPr lang="pt-BR" dirty="0"/>
               <a:t>Association</a:t>
             </a:r>
             <a:r>
@@ -6006,7 +6015,7 @@
               <a:t>São 33.157 academias em todo o Brasil, com cerca de 8 milhões de alunos (Dados da Associação Brasileira de Academias (</a:t>
             </a:r>
             <a:r>
-              <a:rPr lang="pt-BR" dirty="0" err="1"/>
+              <a:rPr lang="pt-BR" dirty="0"/>
               <a:t>Acad</a:t>
             </a:r>
             <a:r>
@@ -6044,7 +6053,7 @@
     </p:spTree>
     <p:extLst>
       <p:ext uri="{BB962C8B-B14F-4D97-AF65-F5344CB8AC3E}">
-        <p14:creationId xmlns:p14="http://schemas.microsoft.com/office/powerpoint/2010/main" val="2190973072"/>
+        <p14:creationId xmlns:p14="http://schemas.microsoft.com/office/powerpoint/2010/main" xmlns="" val="2190973072"/>
       </p:ext>
     </p:extLst>
   </p:cSld>
@@ -6097,7 +6106,7 @@
               <a:t>O objetivo desse trabalho é fazer um estudo sobre </a:t>
             </a:r>
             <a:r>
-              <a:rPr lang="pt-BR" i="1" dirty="0" err="1"/>
+              <a:rPr lang="pt-BR" i="1" dirty="0"/>
               <a:t>chatbot</a:t>
             </a:r>
             <a:r>
@@ -6221,7 +6230,7 @@
     </p:spTree>
     <p:extLst>
       <p:ext uri="{BB962C8B-B14F-4D97-AF65-F5344CB8AC3E}">
-        <p14:creationId xmlns:p14="http://schemas.microsoft.com/office/powerpoint/2010/main" val="963757590"/>
+        <p14:creationId xmlns:p14="http://schemas.microsoft.com/office/powerpoint/2010/main" xmlns="" val="963757590"/>
       </p:ext>
     </p:extLst>
   </p:cSld>
@@ -6309,7 +6318,7 @@
               <a:t>O </a:t>
             </a:r>
             <a:r>
-              <a:rPr lang="pt-BR" dirty="0" err="1"/>
+              <a:rPr lang="pt-BR" dirty="0"/>
               <a:t>Personal</a:t>
             </a:r>
             <a:r>
@@ -6317,7 +6326,7 @@
               <a:t> </a:t>
             </a:r>
             <a:r>
-              <a:rPr lang="pt-BR" dirty="0" err="1"/>
+              <a:rPr lang="pt-BR" dirty="0"/>
               <a:t>Bot</a:t>
             </a:r>
             <a:r>
@@ -6416,7 +6425,7 @@
     </p:spTree>
     <p:extLst>
       <p:ext uri="{BB962C8B-B14F-4D97-AF65-F5344CB8AC3E}">
-        <p14:creationId xmlns:p14="http://schemas.microsoft.com/office/powerpoint/2010/main" val="1646731033"/>
+        <p14:creationId xmlns:p14="http://schemas.microsoft.com/office/powerpoint/2010/main" xmlns="" val="1646731033"/>
       </p:ext>
     </p:extLst>
   </p:cSld>
@@ -6590,7 +6599,7 @@
     </p:spTree>
     <p:extLst>
       <p:ext uri="{BB962C8B-B14F-4D97-AF65-F5344CB8AC3E}">
-        <p14:creationId xmlns:p14="http://schemas.microsoft.com/office/powerpoint/2010/main" val="608348415"/>
+        <p14:creationId xmlns:p14="http://schemas.microsoft.com/office/powerpoint/2010/main" xmlns="" val="608348415"/>
       </p:ext>
     </p:extLst>
   </p:cSld>
@@ -6755,7 +6764,7 @@
               <a:t>Construindo Chat </a:t>
             </a:r>
             <a:r>
-              <a:rPr lang="pt-BR" b="1" dirty="0" err="1"/>
+              <a:rPr lang="pt-BR" b="1" dirty="0"/>
               <a:t>Bots</a:t>
             </a:r>
             <a:r>
@@ -6763,7 +6772,7 @@
               <a:t> com a plataforma Microsoft </a:t>
             </a:r>
             <a:r>
-              <a:rPr lang="pt-BR" b="1" dirty="0" err="1"/>
+              <a:rPr lang="pt-BR" b="1" dirty="0"/>
               <a:t>Bot</a:t>
             </a:r>
             <a:r>
@@ -6782,7 +6791,7 @@
     </p:spTree>
     <p:extLst>
       <p:ext uri="{BB962C8B-B14F-4D97-AF65-F5344CB8AC3E}">
-        <p14:creationId xmlns:p14="http://schemas.microsoft.com/office/powerpoint/2010/main" val="1672704845"/>
+        <p14:creationId xmlns:p14="http://schemas.microsoft.com/office/powerpoint/2010/main" xmlns="" val="1672704845"/>
       </p:ext>
     </p:extLst>
   </p:cSld>
@@ -6841,7 +6850,7 @@
           <p:cNvPr id="3" name="Retângulo 2">
             <a:extLst>
               <a:ext uri="{FF2B5EF4-FFF2-40B4-BE49-F238E27FC236}">
-                <a16:creationId xmlns:a16="http://schemas.microsoft.com/office/drawing/2014/main" id="{4B8DC740-EF1E-4D69-8D11-79E49CB60695}"/>
+                <a16:creationId xmlns:a16="http://schemas.microsoft.com/office/drawing/2014/main" xmlns="" id="{4B8DC740-EF1E-4D69-8D11-79E49CB60695}"/>
               </a:ext>
             </a:extLst>
           </p:cNvPr>
@@ -6893,7 +6902,7 @@
     </p:spTree>
     <p:extLst>
       <p:ext uri="{BB962C8B-B14F-4D97-AF65-F5344CB8AC3E}">
-        <p14:creationId xmlns:p14="http://schemas.microsoft.com/office/powerpoint/2010/main" val="1815488495"/>
+        <p14:creationId xmlns:p14="http://schemas.microsoft.com/office/powerpoint/2010/main" xmlns="" val="1815488495"/>
       </p:ext>
     </p:extLst>
   </p:cSld>
@@ -7153,7 +7162,7 @@
   <a:extraClrSchemeLst/>
   <a:extLst>
     <a:ext uri="{05A4C25C-085E-4340-85A3-A5531E510DB2}">
-      <thm15:themeFamily xmlns:thm15="http://schemas.microsoft.com/office/thememl/2012/main" name="Mesh" id="{789EC3FE-34FD-429C-9918-760025E6C145}" vid="{B8BE45C0-8141-4D58-8C71-A009BC26FBBB}"/>
+      <thm15:themeFamily xmlns:thm15="http://schemas.microsoft.com/office/thememl/2012/main" xmlns="" name="Mesh" id="{789EC3FE-34FD-429C-9918-760025E6C145}" vid="{B8BE45C0-8141-4D58-8C71-A009BC26FBBB}"/>
     </a:ext>
   </a:extLst>
 </a:theme>
